--- a/Presentations/Level 6 Group 3 Pitch.pptx
+++ b/Presentations/Level 6 Group 3 Pitch.pptx
@@ -6025,7 +6025,7 @@
           <a:p>
             <a:r>
               <a:rPr lang="en-GB" sz="2000" u="sng" dirty="0"/>
-              <a:t>Title</a:t>
+              <a:t>A closer look</a:t>
             </a:r>
           </a:p>
         </p:txBody>
@@ -6083,7 +6083,7 @@
         <p:spPr>
           <a:xfrm>
             <a:off x="684212" y="1250302"/>
-            <a:ext cx="10652482" cy="646331"/>
+            <a:ext cx="6236705" cy="2308324"/>
           </a:xfrm>
           <a:prstGeom prst="rect">
             <a:avLst/>
@@ -6102,7 +6102,7 @@
             </a:pPr>
             <a:r>
               <a:rPr lang="en-GB" dirty="0"/>
-              <a:t>Bullet points.</a:t>
+              <a:t>Tapping on the planet will open a live window of a close up of the surface</a:t>
             </a:r>
           </a:p>
           <a:p>
@@ -6112,8 +6112,71 @@
             </a:pPr>
             <a:endParaRPr lang="en-GB" dirty="0"/>
           </a:p>
-        </p:txBody>
-      </p:sp>
+          <a:p>
+            <a:pPr marL="285750" indent="-285750" algn="just">
+              <a:buFont typeface="Arial" panose="020B0604020202020204" pitchFamily="34" charset="0"/>
+              <a:buChar char="•"/>
+            </a:pPr>
+            <a:r>
+              <a:rPr lang="en-GB" dirty="0"/>
+              <a:t>This window will visually represent how the planet it doing other than just the stats</a:t>
+            </a:r>
+          </a:p>
+          <a:p>
+            <a:pPr marL="285750" indent="-285750" algn="just">
+              <a:buFont typeface="Arial" panose="020B0604020202020204" pitchFamily="34" charset="0"/>
+              <a:buChar char="•"/>
+            </a:pPr>
+            <a:endParaRPr lang="en-GB" dirty="0"/>
+          </a:p>
+          <a:p>
+            <a:pPr marL="285750" indent="-285750" algn="just">
+              <a:buFont typeface="Arial" panose="020B0604020202020204" pitchFamily="34" charset="0"/>
+              <a:buChar char="•"/>
+            </a:pPr>
+            <a:r>
+              <a:rPr lang="en-GB" dirty="0"/>
+              <a:t>Main things it will show is lifeform and wealth </a:t>
+            </a:r>
+          </a:p>
+          <a:p>
+            <a:pPr marL="285750" indent="-285750" algn="just">
+              <a:buFont typeface="Arial" panose="020B0604020202020204" pitchFamily="34" charset="0"/>
+              <a:buChar char="•"/>
+            </a:pPr>
+            <a:endParaRPr lang="en-GB" dirty="0"/>
+          </a:p>
+        </p:txBody>
+      </p:sp>
+      <p:pic>
+        <p:nvPicPr>
+          <p:cNvPr id="4" name="Picture 3">
+            <a:extLst>
+              <a:ext uri="{FF2B5EF4-FFF2-40B4-BE49-F238E27FC236}">
+                <a16:creationId xmlns:a16="http://schemas.microsoft.com/office/drawing/2014/main" id="{7E488472-4FFB-4FC8-9C8A-E519C91A7A19}"/>
+              </a:ext>
+            </a:extLst>
+          </p:cNvPr>
+          <p:cNvPicPr>
+            <a:picLocks noChangeAspect="1"/>
+          </p:cNvPicPr>
+          <p:nvPr/>
+        </p:nvPicPr>
+        <p:blipFill rotWithShape="1">
+          <a:blip r:embed="rId2"/>
+          <a:srcRect l="5241" t="27106" r="5346" b="27854"/>
+          <a:stretch/>
+        </p:blipFill>
+        <p:spPr>
+          <a:xfrm>
+            <a:off x="6992168" y="877078"/>
+            <a:ext cx="4513277" cy="2273416"/>
+          </a:xfrm>
+          <a:prstGeom prst="rect">
+            <a:avLst/>
+          </a:prstGeom>
+        </p:spPr>
+      </p:pic>
     </p:spTree>
     <p:extLst>
       <p:ext uri="{BB962C8B-B14F-4D97-AF65-F5344CB8AC3E}">
@@ -6263,6 +6326,35 @@
           </a:p>
         </p:txBody>
       </p:sp>
+      <p:pic>
+        <p:nvPicPr>
+          <p:cNvPr id="3" name="Picture 2">
+            <a:extLst>
+              <a:ext uri="{FF2B5EF4-FFF2-40B4-BE49-F238E27FC236}">
+                <a16:creationId xmlns:a16="http://schemas.microsoft.com/office/drawing/2014/main" id="{8869AE19-DD5C-49F9-99D6-6B34DC7D1B3D}"/>
+              </a:ext>
+            </a:extLst>
+          </p:cNvPr>
+          <p:cNvPicPr>
+            <a:picLocks noChangeAspect="1"/>
+          </p:cNvPicPr>
+          <p:nvPr/>
+        </p:nvPicPr>
+        <p:blipFill rotWithShape="1">
+          <a:blip r:embed="rId2"/>
+          <a:srcRect l="12867" t="15439" r="53486" b="5665"/>
+          <a:stretch/>
+        </p:blipFill>
+        <p:spPr>
+          <a:xfrm>
+            <a:off x="1568740" y="2269856"/>
+            <a:ext cx="6167906" cy="3978543"/>
+          </a:xfrm>
+          <a:prstGeom prst="rect">
+            <a:avLst/>
+          </a:prstGeom>
+        </p:spPr>
+      </p:pic>
     </p:spTree>
     <p:extLst>
       <p:ext uri="{BB962C8B-B14F-4D97-AF65-F5344CB8AC3E}">
@@ -9896,7 +9988,7 @@
           <a:p>
             <a:r>
               <a:rPr lang="en-GB" sz="2000" u="sng" dirty="0"/>
-              <a:t>Title</a:t>
+              <a:t>At The beginning</a:t>
             </a:r>
           </a:p>
         </p:txBody>
@@ -9954,7 +10046,7 @@
         <p:spPr>
           <a:xfrm>
             <a:off x="684212" y="1250302"/>
-            <a:ext cx="10652482" cy="646331"/>
+            <a:ext cx="10652482" cy="1200329"/>
           </a:xfrm>
           <a:prstGeom prst="rect">
             <a:avLst/>
@@ -9973,7 +10065,7 @@
             </a:pPr>
             <a:r>
               <a:rPr lang="en-GB" dirty="0"/>
-              <a:t>Bullet points.</a:t>
+              <a:t>Start with a small rock</a:t>
             </a:r>
           </a:p>
           <a:p>
@@ -9983,8 +10075,54 @@
             </a:pPr>
             <a:endParaRPr lang="en-GB" dirty="0"/>
           </a:p>
-        </p:txBody>
-      </p:sp>
+          <a:p>
+            <a:pPr marL="285750" indent="-285750" algn="just">
+              <a:buFont typeface="Arial" panose="020B0604020202020204" pitchFamily="34" charset="0"/>
+              <a:buChar char="•"/>
+            </a:pPr>
+            <a:r>
+              <a:rPr lang="en-GB" dirty="0"/>
+              <a:t>Tap that rock to make it yours</a:t>
+            </a:r>
+          </a:p>
+          <a:p>
+            <a:pPr marL="285750" indent="-285750" algn="just">
+              <a:buFont typeface="Arial" panose="020B0604020202020204" pitchFamily="34" charset="0"/>
+              <a:buChar char="•"/>
+            </a:pPr>
+            <a:endParaRPr lang="en-GB" dirty="0"/>
+          </a:p>
+        </p:txBody>
+      </p:sp>
+      <p:pic>
+        <p:nvPicPr>
+          <p:cNvPr id="4" name="Picture 3">
+            <a:extLst>
+              <a:ext uri="{FF2B5EF4-FFF2-40B4-BE49-F238E27FC236}">
+                <a16:creationId xmlns:a16="http://schemas.microsoft.com/office/drawing/2014/main" id="{7E0FF131-5127-4809-A253-53AB94BBC8A5}"/>
+              </a:ext>
+            </a:extLst>
+          </p:cNvPr>
+          <p:cNvPicPr>
+            <a:picLocks noChangeAspect="1"/>
+          </p:cNvPicPr>
+          <p:nvPr/>
+        </p:nvPicPr>
+        <p:blipFill rotWithShape="1">
+          <a:blip r:embed="rId2"/>
+          <a:srcRect l="5016" t="27036" r="5072" b="27189"/>
+          <a:stretch/>
+        </p:blipFill>
+        <p:spPr>
+          <a:xfrm>
+            <a:off x="6967000" y="1250302"/>
+            <a:ext cx="4538445" cy="2310532"/>
+          </a:xfrm>
+          <a:prstGeom prst="rect">
+            <a:avLst/>
+          </a:prstGeom>
+        </p:spPr>
+      </p:pic>
     </p:spTree>
     <p:extLst>
       <p:ext uri="{BB962C8B-B14F-4D97-AF65-F5344CB8AC3E}">
@@ -10045,7 +10183,7 @@
           <a:p>
             <a:r>
               <a:rPr lang="en-GB" sz="2000" u="sng" dirty="0"/>
-              <a:t>Title</a:t>
+              <a:t>Creating the first planet</a:t>
             </a:r>
           </a:p>
         </p:txBody>
@@ -10103,7 +10241,7 @@
         <p:spPr>
           <a:xfrm>
             <a:off x="684212" y="1250302"/>
-            <a:ext cx="10652482" cy="646331"/>
+            <a:ext cx="10652482" cy="1754326"/>
           </a:xfrm>
           <a:prstGeom prst="rect">
             <a:avLst/>
@@ -10122,7 +10260,7 @@
             </a:pPr>
             <a:r>
               <a:rPr lang="en-GB" dirty="0"/>
-              <a:t>Bullet points.</a:t>
+              <a:t>Rocks will drift in and out of frame</a:t>
             </a:r>
           </a:p>
           <a:p>
@@ -10132,8 +10270,71 @@
             </a:pPr>
             <a:endParaRPr lang="en-GB" dirty="0"/>
           </a:p>
-        </p:txBody>
-      </p:sp>
+          <a:p>
+            <a:pPr marL="285750" indent="-285750" algn="just">
+              <a:buFont typeface="Arial" panose="020B0604020202020204" pitchFamily="34" charset="0"/>
+              <a:buChar char="•"/>
+            </a:pPr>
+            <a:r>
+              <a:rPr lang="en-GB" dirty="0"/>
+              <a:t>Select a rock and drag to change trajectory</a:t>
+            </a:r>
+          </a:p>
+          <a:p>
+            <a:pPr marL="285750" indent="-285750" algn="just">
+              <a:buFont typeface="Arial" panose="020B0604020202020204" pitchFamily="34" charset="0"/>
+              <a:buChar char="•"/>
+            </a:pPr>
+            <a:endParaRPr lang="en-GB" dirty="0"/>
+          </a:p>
+          <a:p>
+            <a:pPr marL="285750" indent="-285750" algn="just">
+              <a:buFont typeface="Arial" panose="020B0604020202020204" pitchFamily="34" charset="0"/>
+              <a:buChar char="•"/>
+            </a:pPr>
+            <a:r>
+              <a:rPr lang="en-GB" dirty="0"/>
+              <a:t>This will build mass and the planet will grow</a:t>
+            </a:r>
+          </a:p>
+          <a:p>
+            <a:pPr marL="285750" indent="-285750" algn="just">
+              <a:buFont typeface="Arial" panose="020B0604020202020204" pitchFamily="34" charset="0"/>
+              <a:buChar char="•"/>
+            </a:pPr>
+            <a:endParaRPr lang="en-GB" dirty="0"/>
+          </a:p>
+        </p:txBody>
+      </p:sp>
+      <p:pic>
+        <p:nvPicPr>
+          <p:cNvPr id="4" name="Picture 3">
+            <a:extLst>
+              <a:ext uri="{FF2B5EF4-FFF2-40B4-BE49-F238E27FC236}">
+                <a16:creationId xmlns:a16="http://schemas.microsoft.com/office/drawing/2014/main" id="{FA4F77C9-AB05-45ED-9042-76546648D487}"/>
+              </a:ext>
+            </a:extLst>
+          </p:cNvPr>
+          <p:cNvPicPr>
+            <a:picLocks noChangeAspect="1"/>
+          </p:cNvPicPr>
+          <p:nvPr/>
+        </p:nvPicPr>
+        <p:blipFill rotWithShape="1">
+          <a:blip r:embed="rId2"/>
+          <a:srcRect l="4968" t="22954" r="8230" b="36703"/>
+          <a:stretch/>
+        </p:blipFill>
+        <p:spPr>
+          <a:xfrm>
+            <a:off x="6798249" y="1250302"/>
+            <a:ext cx="4538445" cy="2424419"/>
+          </a:xfrm>
+          <a:prstGeom prst="rect">
+            <a:avLst/>
+          </a:prstGeom>
+        </p:spPr>
+      </p:pic>
     </p:spTree>
     <p:extLst>
       <p:ext uri="{BB962C8B-B14F-4D97-AF65-F5344CB8AC3E}">
@@ -10194,7 +10395,7 @@
           <a:p>
             <a:r>
               <a:rPr lang="en-GB" sz="2000" u="sng" dirty="0"/>
-              <a:t>Title</a:t>
+              <a:t>Adding minerals</a:t>
             </a:r>
           </a:p>
         </p:txBody>
@@ -10252,7 +10453,7 @@
         <p:spPr>
           <a:xfrm>
             <a:off x="684212" y="1250302"/>
-            <a:ext cx="10652482" cy="646331"/>
+            <a:ext cx="10652482" cy="1754326"/>
           </a:xfrm>
           <a:prstGeom prst="rect">
             <a:avLst/>
@@ -10271,7 +10472,7 @@
             </a:pPr>
             <a:r>
               <a:rPr lang="en-GB" dirty="0"/>
-              <a:t>Bullet points.</a:t>
+              <a:t>Drag them the same way as standard rocks</a:t>
             </a:r>
           </a:p>
           <a:p>
@@ -10281,8 +10482,71 @@
             </a:pPr>
             <a:endParaRPr lang="en-GB" dirty="0"/>
           </a:p>
-        </p:txBody>
-      </p:sp>
+          <a:p>
+            <a:pPr marL="285750" indent="-285750" algn="just">
+              <a:buFont typeface="Arial" panose="020B0604020202020204" pitchFamily="34" charset="0"/>
+              <a:buChar char="•"/>
+            </a:pPr>
+            <a:r>
+              <a:rPr lang="en-GB" dirty="0"/>
+              <a:t>Colour coded to determine the mineral</a:t>
+            </a:r>
+          </a:p>
+          <a:p>
+            <a:pPr marL="285750" indent="-285750" algn="just">
+              <a:buFont typeface="Arial" panose="020B0604020202020204" pitchFamily="34" charset="0"/>
+              <a:buChar char="•"/>
+            </a:pPr>
+            <a:endParaRPr lang="en-GB" dirty="0"/>
+          </a:p>
+          <a:p>
+            <a:pPr marL="285750" indent="-285750" algn="just">
+              <a:buFont typeface="Arial" panose="020B0604020202020204" pitchFamily="34" charset="0"/>
+              <a:buChar char="•"/>
+            </a:pPr>
+            <a:r>
+              <a:rPr lang="en-GB" dirty="0"/>
+              <a:t>Also add mass to the planet</a:t>
+            </a:r>
+          </a:p>
+          <a:p>
+            <a:pPr marL="285750" indent="-285750" algn="just">
+              <a:buFont typeface="Arial" panose="020B0604020202020204" pitchFamily="34" charset="0"/>
+              <a:buChar char="•"/>
+            </a:pPr>
+            <a:endParaRPr lang="en-GB" dirty="0"/>
+          </a:p>
+        </p:txBody>
+      </p:sp>
+      <p:pic>
+        <p:nvPicPr>
+          <p:cNvPr id="4" name="Picture 3">
+            <a:extLst>
+              <a:ext uri="{FF2B5EF4-FFF2-40B4-BE49-F238E27FC236}">
+                <a16:creationId xmlns:a16="http://schemas.microsoft.com/office/drawing/2014/main" id="{F0936B97-FAAF-4732-879F-FC9D2E4C21C8}"/>
+              </a:ext>
+            </a:extLst>
+          </p:cNvPr>
+          <p:cNvPicPr>
+            <a:picLocks noChangeAspect="1"/>
+          </p:cNvPicPr>
+          <p:nvPr/>
+        </p:nvPicPr>
+        <p:blipFill rotWithShape="1">
+          <a:blip r:embed="rId2"/>
+          <a:srcRect l="5182" t="27058" r="5404" b="27917"/>
+          <a:stretch/>
+        </p:blipFill>
+        <p:spPr>
+          <a:xfrm>
+            <a:off x="6992167" y="877078"/>
+            <a:ext cx="4513278" cy="2272695"/>
+          </a:xfrm>
+          <a:prstGeom prst="rect">
+            <a:avLst/>
+          </a:prstGeom>
+        </p:spPr>
+      </p:pic>
     </p:spTree>
     <p:extLst>
       <p:ext uri="{BB962C8B-B14F-4D97-AF65-F5344CB8AC3E}">
@@ -10343,7 +10607,7 @@
           <a:p>
             <a:r>
               <a:rPr lang="en-GB" sz="2000" u="sng" dirty="0"/>
-              <a:t>Title</a:t>
+              <a:t>Maintenance of the planet</a:t>
             </a:r>
           </a:p>
         </p:txBody>
@@ -10401,7 +10665,7 @@
         <p:spPr>
           <a:xfrm>
             <a:off x="684212" y="1250302"/>
-            <a:ext cx="10652482" cy="646331"/>
+            <a:ext cx="6630988" cy="2862322"/>
           </a:xfrm>
           <a:prstGeom prst="rect">
             <a:avLst/>
@@ -10420,7 +10684,7 @@
             </a:pPr>
             <a:r>
               <a:rPr lang="en-GB" dirty="0"/>
-              <a:t>Bullet points.</a:t>
+              <a:t>Soon after adding minerals the planet will have a set of stats</a:t>
             </a:r>
           </a:p>
           <a:p>
@@ -10430,8 +10694,88 @@
             </a:pPr>
             <a:endParaRPr lang="en-GB" dirty="0"/>
           </a:p>
-        </p:txBody>
-      </p:sp>
+          <a:p>
+            <a:pPr marL="285750" indent="-285750" algn="just">
+              <a:buFont typeface="Arial" panose="020B0604020202020204" pitchFamily="34" charset="0"/>
+              <a:buChar char="•"/>
+            </a:pPr>
+            <a:r>
+              <a:rPr lang="en-GB" dirty="0"/>
+              <a:t>Also larger rocks with no minerals can harm the planet</a:t>
+            </a:r>
+          </a:p>
+          <a:p>
+            <a:pPr marL="285750" indent="-285750" algn="just">
+              <a:buFont typeface="Arial" panose="020B0604020202020204" pitchFamily="34" charset="0"/>
+              <a:buChar char="•"/>
+            </a:pPr>
+            <a:endParaRPr lang="en-GB" dirty="0"/>
+          </a:p>
+          <a:p>
+            <a:pPr marL="285750" indent="-285750" algn="just">
+              <a:buFont typeface="Arial" panose="020B0604020202020204" pitchFamily="34" charset="0"/>
+              <a:buChar char="•"/>
+            </a:pPr>
+            <a:r>
+              <a:rPr lang="en-GB" dirty="0"/>
+              <a:t>Tap to destroy them into smaller rocks and tap to destroy them again</a:t>
+            </a:r>
+          </a:p>
+          <a:p>
+            <a:pPr marL="285750" indent="-285750" algn="just">
+              <a:buFont typeface="Arial" panose="020B0604020202020204" pitchFamily="34" charset="0"/>
+              <a:buChar char="•"/>
+            </a:pPr>
+            <a:endParaRPr lang="en-GB" dirty="0"/>
+          </a:p>
+          <a:p>
+            <a:pPr marL="285750" indent="-285750" algn="just">
+              <a:buFont typeface="Arial" panose="020B0604020202020204" pitchFamily="34" charset="0"/>
+              <a:buChar char="•"/>
+            </a:pPr>
+            <a:r>
+              <a:rPr lang="en-GB" dirty="0"/>
+              <a:t>Or add the smaller ones as mass</a:t>
+            </a:r>
+          </a:p>
+          <a:p>
+            <a:pPr marL="285750" indent="-285750" algn="just">
+              <a:buFont typeface="Arial" panose="020B0604020202020204" pitchFamily="34" charset="0"/>
+              <a:buChar char="•"/>
+            </a:pPr>
+            <a:endParaRPr lang="en-GB" dirty="0"/>
+          </a:p>
+        </p:txBody>
+      </p:sp>
+      <p:pic>
+        <p:nvPicPr>
+          <p:cNvPr id="4" name="Picture 3">
+            <a:extLst>
+              <a:ext uri="{FF2B5EF4-FFF2-40B4-BE49-F238E27FC236}">
+                <a16:creationId xmlns:a16="http://schemas.microsoft.com/office/drawing/2014/main" id="{4CED4333-6DFC-486F-B4F9-918E358A9B1A}"/>
+              </a:ext>
+            </a:extLst>
+          </p:cNvPr>
+          <p:cNvPicPr>
+            <a:picLocks noChangeAspect="1"/>
+          </p:cNvPicPr>
+          <p:nvPr/>
+        </p:nvPicPr>
+        <p:blipFill rotWithShape="1">
+          <a:blip r:embed="rId2"/>
+          <a:srcRect l="5020" t="27601" r="5399" b="27525"/>
+          <a:stretch/>
+        </p:blipFill>
+        <p:spPr>
+          <a:xfrm>
+            <a:off x="7407480" y="973124"/>
+            <a:ext cx="4521666" cy="2265027"/>
+          </a:xfrm>
+          <a:prstGeom prst="rect">
+            <a:avLst/>
+          </a:prstGeom>
+        </p:spPr>
+      </p:pic>
     </p:spTree>
     <p:extLst>
       <p:ext uri="{BB962C8B-B14F-4D97-AF65-F5344CB8AC3E}">
